--- a/part3/Figures/empty-array.pptx
+++ b/part3/Figures/empty-array.pptx
@@ -289,7 +289,7 @@
             <a:fld id="{3D7BA643-B6E4-5F47-8F97-5B8A5CDFA610}" type="datetimeFigureOut">
               <a:rPr lang="en-US" smtClean="0"/>
               <a:pPr/>
-              <a:t>5/7/10</a:t>
+              <a:t>8/24/10</a:t>
             </a:fld>
             <a:endParaRPr lang="en-US"/>
           </a:p>
@@ -456,7 +456,7 @@
             <a:fld id="{3D7BA643-B6E4-5F47-8F97-5B8A5CDFA610}" type="datetimeFigureOut">
               <a:rPr lang="en-US" smtClean="0"/>
               <a:pPr/>
-              <a:t>5/7/10</a:t>
+              <a:t>8/24/10</a:t>
             </a:fld>
             <a:endParaRPr lang="en-US"/>
           </a:p>
@@ -633,7 +633,7 @@
             <a:fld id="{3D7BA643-B6E4-5F47-8F97-5B8A5CDFA610}" type="datetimeFigureOut">
               <a:rPr lang="en-US" smtClean="0"/>
               <a:pPr/>
-              <a:t>5/7/10</a:t>
+              <a:t>8/24/10</a:t>
             </a:fld>
             <a:endParaRPr lang="en-US"/>
           </a:p>
@@ -800,7 +800,7 @@
             <a:fld id="{3D7BA643-B6E4-5F47-8F97-5B8A5CDFA610}" type="datetimeFigureOut">
               <a:rPr lang="en-US" smtClean="0"/>
               <a:pPr/>
-              <a:t>5/7/10</a:t>
+              <a:t>8/24/10</a:t>
             </a:fld>
             <a:endParaRPr lang="en-US"/>
           </a:p>
@@ -1043,7 +1043,7 @@
             <a:fld id="{3D7BA643-B6E4-5F47-8F97-5B8A5CDFA610}" type="datetimeFigureOut">
               <a:rPr lang="en-US" smtClean="0"/>
               <a:pPr/>
-              <a:t>5/7/10</a:t>
+              <a:t>8/24/10</a:t>
             </a:fld>
             <a:endParaRPr lang="en-US"/>
           </a:p>
@@ -1328,7 +1328,7 @@
             <a:fld id="{3D7BA643-B6E4-5F47-8F97-5B8A5CDFA610}" type="datetimeFigureOut">
               <a:rPr lang="en-US" smtClean="0"/>
               <a:pPr/>
-              <a:t>5/7/10</a:t>
+              <a:t>8/24/10</a:t>
             </a:fld>
             <a:endParaRPr lang="en-US"/>
           </a:p>
@@ -1747,7 +1747,7 @@
             <a:fld id="{3D7BA643-B6E4-5F47-8F97-5B8A5CDFA610}" type="datetimeFigureOut">
               <a:rPr lang="en-US" smtClean="0"/>
               <a:pPr/>
-              <a:t>5/7/10</a:t>
+              <a:t>8/24/10</a:t>
             </a:fld>
             <a:endParaRPr lang="en-US"/>
           </a:p>
@@ -1862,7 +1862,7 @@
             <a:fld id="{3D7BA643-B6E4-5F47-8F97-5B8A5CDFA610}" type="datetimeFigureOut">
               <a:rPr lang="en-US" smtClean="0"/>
               <a:pPr/>
-              <a:t>5/7/10</a:t>
+              <a:t>8/24/10</a:t>
             </a:fld>
             <a:endParaRPr lang="en-US"/>
           </a:p>
@@ -1954,7 +1954,7 @@
             <a:fld id="{3D7BA643-B6E4-5F47-8F97-5B8A5CDFA610}" type="datetimeFigureOut">
               <a:rPr lang="en-US" smtClean="0"/>
               <a:pPr/>
-              <a:t>5/7/10</a:t>
+              <a:t>8/24/10</a:t>
             </a:fld>
             <a:endParaRPr lang="en-US"/>
           </a:p>
@@ -2228,7 +2228,7 @@
             <a:fld id="{3D7BA643-B6E4-5F47-8F97-5B8A5CDFA610}" type="datetimeFigureOut">
               <a:rPr lang="en-US" smtClean="0"/>
               <a:pPr/>
-              <a:t>5/7/10</a:t>
+              <a:t>8/24/10</a:t>
             </a:fld>
             <a:endParaRPr lang="en-US"/>
           </a:p>
@@ -2478,7 +2478,7 @@
             <a:fld id="{3D7BA643-B6E4-5F47-8F97-5B8A5CDFA610}" type="datetimeFigureOut">
               <a:rPr lang="en-US" smtClean="0"/>
               <a:pPr/>
-              <a:t>5/7/10</a:t>
+              <a:t>8/24/10</a:t>
             </a:fld>
             <a:endParaRPr lang="en-US"/>
           </a:p>
@@ -2688,7 +2688,7 @@
             <a:fld id="{3D7BA643-B6E4-5F47-8F97-5B8A5CDFA610}" type="datetimeFigureOut">
               <a:rPr lang="en-US" smtClean="0"/>
               <a:pPr/>
-              <a:t>5/7/10</a:t>
+              <a:t>8/24/10</a:t>
             </a:fld>
             <a:endParaRPr lang="en-US"/>
           </a:p>
@@ -3420,7 +3420,7 @@
         <p:spPr>
           <a:xfrm>
             <a:off x="4013213" y="4411418"/>
-            <a:ext cx="1636899" cy="523220"/>
+            <a:ext cx="1727894" cy="523220"/>
           </a:xfrm>
           <a:prstGeom prst="rect">
             <a:avLst/>
@@ -3446,7 +3446,7 @@
           <a:p>
             <a:r>
               <a:rPr lang="en-US" sz="1400" i="1" dirty="0" smtClean="0"/>
-              <a:t>x400,000 = 18.3MB</a:t>
+              <a:t>x400,000 = 18.31MB</a:t>
             </a:r>
             <a:endParaRPr lang="en-US" sz="1400" i="1" dirty="0"/>
           </a:p>
@@ -3460,8 +3460,8 @@
         </p:nvSpPr>
         <p:spPr>
           <a:xfrm>
-            <a:off x="4055001" y="3114290"/>
-            <a:ext cx="1586492" cy="523220"/>
+            <a:off x="4013213" y="3114290"/>
+            <a:ext cx="1727894" cy="523220"/>
           </a:xfrm>
           <a:prstGeom prst="rect">
             <a:avLst/>
@@ -3486,7 +3486,7 @@
             </a:r>
             <a:r>
               <a:rPr lang="en-US" sz="1400" i="1" dirty="0" smtClean="0"/>
-              <a:t>400,000 = 6.1MB</a:t>
+              <a:t>400,000 = 6.103MB</a:t>
             </a:r>
             <a:endParaRPr lang="en-US" sz="1400" i="1" dirty="0"/>
           </a:p>
@@ -3531,7 +3531,7 @@
         <p:spPr>
           <a:xfrm>
             <a:off x="1984745" y="1567697"/>
-            <a:ext cx="775435" cy="307777"/>
+            <a:ext cx="684803" cy="307777"/>
           </a:xfrm>
           <a:prstGeom prst="rect">
             <a:avLst/>
@@ -3546,7 +3546,7 @@
           <a:p>
             <a:r>
               <a:rPr lang="en-US" sz="1400" dirty="0" smtClean="0"/>
-              <a:t>100,000</a:t>
+              <a:t>75,000</a:t>
             </a:r>
             <a:endParaRPr lang="en-US" sz="1400" dirty="0"/>
           </a:p>
@@ -3561,7 +3561,7 @@
         <p:spPr>
           <a:xfrm>
             <a:off x="4076289" y="1106031"/>
-            <a:ext cx="775435" cy="307777"/>
+            <a:ext cx="684803" cy="307777"/>
           </a:xfrm>
           <a:prstGeom prst="rect">
             <a:avLst/>
@@ -3576,7 +3576,7 @@
           <a:p>
             <a:r>
               <a:rPr lang="en-US" sz="1400" dirty="0" smtClean="0"/>
-              <a:t>100,000</a:t>
+              <a:t>75,000</a:t>
             </a:r>
             <a:endParaRPr lang="en-US" sz="1400" dirty="0"/>
           </a:p>
@@ -3591,7 +3591,7 @@
         <p:spPr>
           <a:xfrm>
             <a:off x="4827811" y="2482840"/>
-            <a:ext cx="275661" cy="307777"/>
+            <a:ext cx="505267" cy="307777"/>
           </a:xfrm>
           <a:prstGeom prst="rect">
             <a:avLst/>
@@ -3606,7 +3606,7 @@
           <a:p>
             <a:r>
               <a:rPr lang="en-US" sz="1400" dirty="0" smtClean="0"/>
-              <a:t>4</a:t>
+              <a:t>5.33</a:t>
             </a:r>
             <a:endParaRPr lang="en-US" sz="1400" dirty="0"/>
           </a:p>
@@ -3636,15 +3636,7 @@
           <a:p>
             <a:r>
               <a:rPr lang="en-US" sz="1200" i="1" dirty="0" smtClean="0"/>
-              <a:t>4</a:t>
-            </a:r>
-            <a:r>
-              <a:rPr lang="en-US" sz="1200" i="1" dirty="0" smtClean="0"/>
-              <a:t>,600,000 </a:t>
-            </a:r>
-            <a:r>
-              <a:rPr lang="en-US" sz="1200" i="1" dirty="0" smtClean="0"/>
-              <a:t>bytes overhead</a:t>
+              <a:t>4,600,000 bytes overhead</a:t>
             </a:r>
             <a:endParaRPr lang="en-US" sz="1200" i="1" dirty="0"/>
           </a:p>
@@ -3758,19 +3750,7 @@
           <a:p>
             <a:r>
               <a:rPr lang="en-US" sz="1400" i="1" dirty="0" smtClean="0"/>
-              <a:t>X100,000 =</a:t>
-            </a:r>
-            <a:r>
-              <a:rPr lang="en-US" sz="1400" i="1" dirty="0" smtClean="0"/>
-              <a:t> </a:t>
-            </a:r>
-            <a:r>
-              <a:rPr lang="en-US" sz="1400" i="1" dirty="0" smtClean="0"/>
-              <a:t>4.39</a:t>
-            </a:r>
-            <a:r>
-              <a:rPr lang="en-US" sz="1400" i="1" dirty="0" smtClean="0"/>
-              <a:t>MB</a:t>
+              <a:t>X75,000 = 4.387MB</a:t>
             </a:r>
             <a:endParaRPr lang="en-US" sz="1400" i="1" dirty="0"/>
           </a:p>
@@ -3852,8 +3832,8 @@
         </p:nvSpPr>
         <p:spPr>
           <a:xfrm>
-            <a:off x="4055001" y="5688265"/>
-            <a:ext cx="1667218" cy="523220"/>
+            <a:off x="3953905" y="5688265"/>
+            <a:ext cx="1849209" cy="523220"/>
           </a:xfrm>
           <a:prstGeom prst="rect">
             <a:avLst/>
@@ -3878,7 +3858,7 @@
             </a:r>
             <a:r>
               <a:rPr lang="en-US" sz="1400" i="1" dirty="0" smtClean="0"/>
-              <a:t>800,000 = 3.05MB</a:t>
+              <a:t>800,000 = 12.207MB</a:t>
             </a:r>
             <a:endParaRPr lang="en-US" sz="1400" i="1" dirty="0"/>
           </a:p>
@@ -3892,8 +3872,8 @@
         </p:nvSpPr>
         <p:spPr>
           <a:xfrm>
-            <a:off x="4034565" y="5688265"/>
-            <a:ext cx="1586492" cy="593704"/>
+            <a:off x="3953905" y="5688265"/>
+            <a:ext cx="1787202" cy="593704"/>
           </a:xfrm>
           <a:prstGeom prst="rect">
             <a:avLst/>
@@ -3938,9 +3918,9 @@
           <p:nvPr/>
         </p:nvCxnSpPr>
         <p:spPr>
-          <a:xfrm rot="5400000">
-            <a:off x="4586291" y="5445951"/>
-            <a:ext cx="483834" cy="794"/>
+          <a:xfrm rot="16200000" flipH="1">
+            <a:off x="4596138" y="5436897"/>
+            <a:ext cx="483834" cy="18901"/>
           </a:xfrm>
           <a:prstGeom prst="straightConnector1">
             <a:avLst/>
@@ -4036,7 +4016,7 @@
         <p:spPr>
           <a:xfrm>
             <a:off x="6464646" y="5573763"/>
-            <a:ext cx="1828620" cy="461665"/>
+            <a:ext cx="1828170" cy="461665"/>
           </a:xfrm>
           <a:prstGeom prst="rect">
             <a:avLst/>
@@ -4051,13 +4031,13 @@
           <a:p>
             <a:r>
               <a:rPr lang="en-US" sz="1200" i="1" dirty="0" smtClean="0"/>
-              <a:t>1,600,000 bytes data</a:t>
+              <a:t>3,200,000 bytes data</a:t>
             </a:r>
           </a:p>
           <a:p>
             <a:r>
               <a:rPr lang="en-US" sz="1200" i="1" dirty="0" smtClean="0"/>
-              <a:t>1.600,000 bytes overhead</a:t>
+              <a:t>9,600,000 bytes overhead</a:t>
             </a:r>
             <a:endParaRPr lang="en-US" sz="1200" i="1" dirty="0"/>
           </a:p>
@@ -4072,7 +4052,7 @@
         <p:spPr>
           <a:xfrm>
             <a:off x="914400" y="4411418"/>
-            <a:ext cx="2120618" cy="646331"/>
+            <a:ext cx="1482748" cy="646331"/>
           </a:xfrm>
           <a:prstGeom prst="rect">
             <a:avLst/>
@@ -4086,46 +4066,33 @@
           <a:lstStyle/>
           <a:p>
             <a:r>
-              <a:rPr lang="en-US" sz="1200" i="1" dirty="0" err="1" smtClean="0"/>
-              <a:t>ArrayList</a:t>
-            </a:r>
-            <a:r>
               <a:rPr lang="en-US" sz="1200" i="1" dirty="0" smtClean="0"/>
-              <a:t> total size = </a:t>
-            </a:r>
+              <a:t>Total size = 41MB</a:t>
+            </a:r>
+          </a:p>
+          <a:p>
             <a:r>
               <a:rPr lang="en-US" sz="1200" i="1" dirty="0" smtClean="0"/>
-              <a:t>31.85MB</a:t>
+              <a:t>Savings: 2.3%</a:t>
             </a:r>
             <a:endParaRPr lang="en-US" sz="1200" i="1" dirty="0" smtClean="0"/>
           </a:p>
           <a:p>
             <a:r>
               <a:rPr lang="en-US" sz="1200" i="1" dirty="0" smtClean="0"/>
-              <a:t>Savings:</a:t>
+              <a:t>B</a:t>
             </a:r>
             <a:r>
               <a:rPr lang="en-US" sz="1200" i="1" dirty="0" smtClean="0"/>
-              <a:t> </a:t>
+              <a:t>loat </a:t>
             </a:r>
             <a:r>
               <a:rPr lang="en-US" sz="1200" i="1" dirty="0" smtClean="0"/>
-              <a:t>3</a:t>
+              <a:t>factor = </a:t>
             </a:r>
             <a:r>
               <a:rPr lang="en-US" sz="1200" i="1" dirty="0" smtClean="0"/>
-              <a:t>%</a:t>
-            </a:r>
-            <a:endParaRPr lang="en-US" sz="1200" i="1" dirty="0" smtClean="0"/>
-          </a:p>
-          <a:p>
-            <a:r>
-              <a:rPr lang="en-US" sz="1200" i="1" dirty="0" err="1" smtClean="0"/>
-              <a:t>ArrayList</a:t>
-            </a:r>
-            <a:r>
-              <a:rPr lang="en-US" sz="1200" i="1" dirty="0" smtClean="0"/>
-              <a:t> bloat factor = 95.3%</a:t>
+              <a:t>9.25%</a:t>
             </a:r>
             <a:endParaRPr lang="en-US" sz="1200" i="1" dirty="0"/>
           </a:p>

--- a/part3/Figures/empty-array.pptx
+++ b/part3/Figures/empty-array.pptx
@@ -289,7 +289,7 @@
             <a:fld id="{3D7BA643-B6E4-5F47-8F97-5B8A5CDFA610}" type="datetimeFigureOut">
               <a:rPr lang="en-US" smtClean="0"/>
               <a:pPr/>
-              <a:t>8/24/10</a:t>
+              <a:t>8/25/10</a:t>
             </a:fld>
             <a:endParaRPr lang="en-US"/>
           </a:p>
@@ -456,7 +456,7 @@
             <a:fld id="{3D7BA643-B6E4-5F47-8F97-5B8A5CDFA610}" type="datetimeFigureOut">
               <a:rPr lang="en-US" smtClean="0"/>
               <a:pPr/>
-              <a:t>8/24/10</a:t>
+              <a:t>8/25/10</a:t>
             </a:fld>
             <a:endParaRPr lang="en-US"/>
           </a:p>
@@ -633,7 +633,7 @@
             <a:fld id="{3D7BA643-B6E4-5F47-8F97-5B8A5CDFA610}" type="datetimeFigureOut">
               <a:rPr lang="en-US" smtClean="0"/>
               <a:pPr/>
-              <a:t>8/24/10</a:t>
+              <a:t>8/25/10</a:t>
             </a:fld>
             <a:endParaRPr lang="en-US"/>
           </a:p>
@@ -800,7 +800,7 @@
             <a:fld id="{3D7BA643-B6E4-5F47-8F97-5B8A5CDFA610}" type="datetimeFigureOut">
               <a:rPr lang="en-US" smtClean="0"/>
               <a:pPr/>
-              <a:t>8/24/10</a:t>
+              <a:t>8/25/10</a:t>
             </a:fld>
             <a:endParaRPr lang="en-US"/>
           </a:p>
@@ -1043,7 +1043,7 @@
             <a:fld id="{3D7BA643-B6E4-5F47-8F97-5B8A5CDFA610}" type="datetimeFigureOut">
               <a:rPr lang="en-US" smtClean="0"/>
               <a:pPr/>
-              <a:t>8/24/10</a:t>
+              <a:t>8/25/10</a:t>
             </a:fld>
             <a:endParaRPr lang="en-US"/>
           </a:p>
@@ -1328,7 +1328,7 @@
             <a:fld id="{3D7BA643-B6E4-5F47-8F97-5B8A5CDFA610}" type="datetimeFigureOut">
               <a:rPr lang="en-US" smtClean="0"/>
               <a:pPr/>
-              <a:t>8/24/10</a:t>
+              <a:t>8/25/10</a:t>
             </a:fld>
             <a:endParaRPr lang="en-US"/>
           </a:p>
@@ -1747,7 +1747,7 @@
             <a:fld id="{3D7BA643-B6E4-5F47-8F97-5B8A5CDFA610}" type="datetimeFigureOut">
               <a:rPr lang="en-US" smtClean="0"/>
               <a:pPr/>
-              <a:t>8/24/10</a:t>
+              <a:t>8/25/10</a:t>
             </a:fld>
             <a:endParaRPr lang="en-US"/>
           </a:p>
@@ -1862,7 +1862,7 @@
             <a:fld id="{3D7BA643-B6E4-5F47-8F97-5B8A5CDFA610}" type="datetimeFigureOut">
               <a:rPr lang="en-US" smtClean="0"/>
               <a:pPr/>
-              <a:t>8/24/10</a:t>
+              <a:t>8/25/10</a:t>
             </a:fld>
             <a:endParaRPr lang="en-US"/>
           </a:p>
@@ -1954,7 +1954,7 @@
             <a:fld id="{3D7BA643-B6E4-5F47-8F97-5B8A5CDFA610}" type="datetimeFigureOut">
               <a:rPr lang="en-US" smtClean="0"/>
               <a:pPr/>
-              <a:t>8/24/10</a:t>
+              <a:t>8/25/10</a:t>
             </a:fld>
             <a:endParaRPr lang="en-US"/>
           </a:p>
@@ -2228,7 +2228,7 @@
             <a:fld id="{3D7BA643-B6E4-5F47-8F97-5B8A5CDFA610}" type="datetimeFigureOut">
               <a:rPr lang="en-US" smtClean="0"/>
               <a:pPr/>
-              <a:t>8/24/10</a:t>
+              <a:t>8/25/10</a:t>
             </a:fld>
             <a:endParaRPr lang="en-US"/>
           </a:p>
@@ -2478,7 +2478,7 @@
             <a:fld id="{3D7BA643-B6E4-5F47-8F97-5B8A5CDFA610}" type="datetimeFigureOut">
               <a:rPr lang="en-US" smtClean="0"/>
               <a:pPr/>
-              <a:t>8/24/10</a:t>
+              <a:t>8/25/10</a:t>
             </a:fld>
             <a:endParaRPr lang="en-US"/>
           </a:p>
@@ -2688,7 +2688,7 @@
             <a:fld id="{3D7BA643-B6E4-5F47-8F97-5B8A5CDFA610}" type="datetimeFigureOut">
               <a:rPr lang="en-US" smtClean="0"/>
               <a:pPr/>
-              <a:t>8/24/10</a:t>
+              <a:t>8/25/10</a:t>
             </a:fld>
             <a:endParaRPr lang="en-US"/>
           </a:p>
@@ -4073,26 +4073,26 @@
           <a:p>
             <a:r>
               <a:rPr lang="en-US" sz="1200" i="1" dirty="0" smtClean="0"/>
-              <a:t>Savings: 2.3%</a:t>
+              <a:t>Savings: </a:t>
+            </a:r>
+            <a:r>
+              <a:rPr lang="en-US" sz="1200" i="1" dirty="0" smtClean="0"/>
+              <a:t>2</a:t>
+            </a:r>
+            <a:r>
+              <a:rPr lang="en-US" sz="1200" i="1" dirty="0" smtClean="0"/>
+              <a:t>2.3</a:t>
+            </a:r>
+            <a:r>
+              <a:rPr lang="en-US" sz="1200" i="1" dirty="0" smtClean="0"/>
+              <a:t>%</a:t>
             </a:r>
             <a:endParaRPr lang="en-US" sz="1200" i="1" dirty="0" smtClean="0"/>
           </a:p>
           <a:p>
             <a:r>
               <a:rPr lang="en-US" sz="1200" i="1" dirty="0" smtClean="0"/>
-              <a:t>B</a:t>
-            </a:r>
-            <a:r>
-              <a:rPr lang="en-US" sz="1200" i="1" dirty="0" smtClean="0"/>
-              <a:t>loat </a:t>
-            </a:r>
-            <a:r>
-              <a:rPr lang="en-US" sz="1200" i="1" dirty="0" smtClean="0"/>
-              <a:t>factor = </a:t>
-            </a:r>
-            <a:r>
-              <a:rPr lang="en-US" sz="1200" i="1" dirty="0" smtClean="0"/>
-              <a:t>9.25%</a:t>
+              <a:t>Bloat factor = 9.25%</a:t>
             </a:r>
             <a:endParaRPr lang="en-US" sz="1200" i="1" dirty="0"/>
           </a:p>

--- a/part3/Figures/empty-array.pptx
+++ b/part3/Figures/empty-array.pptx
@@ -289,7 +289,7 @@
             <a:fld id="{3D7BA643-B6E4-5F47-8F97-5B8A5CDFA610}" type="datetimeFigureOut">
               <a:rPr lang="en-US" smtClean="0"/>
               <a:pPr/>
-              <a:t>8/25/10</a:t>
+              <a:t>8/26/10</a:t>
             </a:fld>
             <a:endParaRPr lang="en-US"/>
           </a:p>
@@ -456,7 +456,7 @@
             <a:fld id="{3D7BA643-B6E4-5F47-8F97-5B8A5CDFA610}" type="datetimeFigureOut">
               <a:rPr lang="en-US" smtClean="0"/>
               <a:pPr/>
-              <a:t>8/25/10</a:t>
+              <a:t>8/26/10</a:t>
             </a:fld>
             <a:endParaRPr lang="en-US"/>
           </a:p>
@@ -633,7 +633,7 @@
             <a:fld id="{3D7BA643-B6E4-5F47-8F97-5B8A5CDFA610}" type="datetimeFigureOut">
               <a:rPr lang="en-US" smtClean="0"/>
               <a:pPr/>
-              <a:t>8/25/10</a:t>
+              <a:t>8/26/10</a:t>
             </a:fld>
             <a:endParaRPr lang="en-US"/>
           </a:p>
@@ -800,7 +800,7 @@
             <a:fld id="{3D7BA643-B6E4-5F47-8F97-5B8A5CDFA610}" type="datetimeFigureOut">
               <a:rPr lang="en-US" smtClean="0"/>
               <a:pPr/>
-              <a:t>8/25/10</a:t>
+              <a:t>8/26/10</a:t>
             </a:fld>
             <a:endParaRPr lang="en-US"/>
           </a:p>
@@ -1043,7 +1043,7 @@
             <a:fld id="{3D7BA643-B6E4-5F47-8F97-5B8A5CDFA610}" type="datetimeFigureOut">
               <a:rPr lang="en-US" smtClean="0"/>
               <a:pPr/>
-              <a:t>8/25/10</a:t>
+              <a:t>8/26/10</a:t>
             </a:fld>
             <a:endParaRPr lang="en-US"/>
           </a:p>
@@ -1328,7 +1328,7 @@
             <a:fld id="{3D7BA643-B6E4-5F47-8F97-5B8A5CDFA610}" type="datetimeFigureOut">
               <a:rPr lang="en-US" smtClean="0"/>
               <a:pPr/>
-              <a:t>8/25/10</a:t>
+              <a:t>8/26/10</a:t>
             </a:fld>
             <a:endParaRPr lang="en-US"/>
           </a:p>
@@ -1747,7 +1747,7 @@
             <a:fld id="{3D7BA643-B6E4-5F47-8F97-5B8A5CDFA610}" type="datetimeFigureOut">
               <a:rPr lang="en-US" smtClean="0"/>
               <a:pPr/>
-              <a:t>8/25/10</a:t>
+              <a:t>8/26/10</a:t>
             </a:fld>
             <a:endParaRPr lang="en-US"/>
           </a:p>
@@ -1862,7 +1862,7 @@
             <a:fld id="{3D7BA643-B6E4-5F47-8F97-5B8A5CDFA610}" type="datetimeFigureOut">
               <a:rPr lang="en-US" smtClean="0"/>
               <a:pPr/>
-              <a:t>8/25/10</a:t>
+              <a:t>8/26/10</a:t>
             </a:fld>
             <a:endParaRPr lang="en-US"/>
           </a:p>
@@ -1954,7 +1954,7 @@
             <a:fld id="{3D7BA643-B6E4-5F47-8F97-5B8A5CDFA610}" type="datetimeFigureOut">
               <a:rPr lang="en-US" smtClean="0"/>
               <a:pPr/>
-              <a:t>8/25/10</a:t>
+              <a:t>8/26/10</a:t>
             </a:fld>
             <a:endParaRPr lang="en-US"/>
           </a:p>
@@ -2228,7 +2228,7 @@
             <a:fld id="{3D7BA643-B6E4-5F47-8F97-5B8A5CDFA610}" type="datetimeFigureOut">
               <a:rPr lang="en-US" smtClean="0"/>
               <a:pPr/>
-              <a:t>8/25/10</a:t>
+              <a:t>8/26/10</a:t>
             </a:fld>
             <a:endParaRPr lang="en-US"/>
           </a:p>
@@ -2478,7 +2478,7 @@
             <a:fld id="{3D7BA643-B6E4-5F47-8F97-5B8A5CDFA610}" type="datetimeFigureOut">
               <a:rPr lang="en-US" smtClean="0"/>
               <a:pPr/>
-              <a:t>8/25/10</a:t>
+              <a:t>8/26/10</a:t>
             </a:fld>
             <a:endParaRPr lang="en-US"/>
           </a:p>
@@ -2688,7 +2688,7 @@
             <a:fld id="{3D7BA643-B6E4-5F47-8F97-5B8A5CDFA610}" type="datetimeFigureOut">
               <a:rPr lang="en-US" smtClean="0"/>
               <a:pPr/>
-              <a:t>8/25/10</a:t>
+              <a:t>8/26/10</a:t>
             </a:fld>
             <a:endParaRPr lang="en-US"/>
           </a:p>
@@ -4073,26 +4073,17 @@
           <a:p>
             <a:r>
               <a:rPr lang="en-US" sz="1200" i="1" dirty="0" smtClean="0"/>
-              <a:t>Savings: </a:t>
-            </a:r>
+              <a:t>Savings: 2.3%</a:t>
+            </a:r>
+          </a:p>
+          <a:p>
             <a:r>
               <a:rPr lang="en-US" sz="1200" i="1" dirty="0" smtClean="0"/>
-              <a:t>2</a:t>
+              <a:t>Bloat factor = </a:t>
             </a:r>
             <a:r>
               <a:rPr lang="en-US" sz="1200" i="1" dirty="0" smtClean="0"/>
-              <a:t>2.3</a:t>
-            </a:r>
-            <a:r>
-              <a:rPr lang="en-US" sz="1200" i="1" dirty="0" smtClean="0"/>
-              <a:t>%</a:t>
-            </a:r>
-            <a:endParaRPr lang="en-US" sz="1200" i="1" dirty="0" smtClean="0"/>
-          </a:p>
-          <a:p>
-            <a:r>
-              <a:rPr lang="en-US" sz="1200" i="1" dirty="0" smtClean="0"/>
-              <a:t>Bloat factor = 9.25%</a:t>
+              <a:t>92.6%</a:t>
             </a:r>
             <a:endParaRPr lang="en-US" sz="1200" i="1" dirty="0"/>
           </a:p>

--- a/part3/Figures/empty-array.pptx
+++ b/part3/Figures/empty-array.pptx
@@ -289,7 +289,7 @@
             <a:fld id="{3D7BA643-B6E4-5F47-8F97-5B8A5CDFA610}" type="datetimeFigureOut">
               <a:rPr lang="en-US" smtClean="0"/>
               <a:pPr/>
-              <a:t>8/26/10</a:t>
+              <a:t>8/31/10</a:t>
             </a:fld>
             <a:endParaRPr lang="en-US"/>
           </a:p>
@@ -456,7 +456,7 @@
             <a:fld id="{3D7BA643-B6E4-5F47-8F97-5B8A5CDFA610}" type="datetimeFigureOut">
               <a:rPr lang="en-US" smtClean="0"/>
               <a:pPr/>
-              <a:t>8/26/10</a:t>
+              <a:t>8/31/10</a:t>
             </a:fld>
             <a:endParaRPr lang="en-US"/>
           </a:p>
@@ -633,7 +633,7 @@
             <a:fld id="{3D7BA643-B6E4-5F47-8F97-5B8A5CDFA610}" type="datetimeFigureOut">
               <a:rPr lang="en-US" smtClean="0"/>
               <a:pPr/>
-              <a:t>8/26/10</a:t>
+              <a:t>8/31/10</a:t>
             </a:fld>
             <a:endParaRPr lang="en-US"/>
           </a:p>
@@ -800,7 +800,7 @@
             <a:fld id="{3D7BA643-B6E4-5F47-8F97-5B8A5CDFA610}" type="datetimeFigureOut">
               <a:rPr lang="en-US" smtClean="0"/>
               <a:pPr/>
-              <a:t>8/26/10</a:t>
+              <a:t>8/31/10</a:t>
             </a:fld>
             <a:endParaRPr lang="en-US"/>
           </a:p>
@@ -1043,7 +1043,7 @@
             <a:fld id="{3D7BA643-B6E4-5F47-8F97-5B8A5CDFA610}" type="datetimeFigureOut">
               <a:rPr lang="en-US" smtClean="0"/>
               <a:pPr/>
-              <a:t>8/26/10</a:t>
+              <a:t>8/31/10</a:t>
             </a:fld>
             <a:endParaRPr lang="en-US"/>
           </a:p>
@@ -1328,7 +1328,7 @@
             <a:fld id="{3D7BA643-B6E4-5F47-8F97-5B8A5CDFA610}" type="datetimeFigureOut">
               <a:rPr lang="en-US" smtClean="0"/>
               <a:pPr/>
-              <a:t>8/26/10</a:t>
+              <a:t>8/31/10</a:t>
             </a:fld>
             <a:endParaRPr lang="en-US"/>
           </a:p>
@@ -1747,7 +1747,7 @@
             <a:fld id="{3D7BA643-B6E4-5F47-8F97-5B8A5CDFA610}" type="datetimeFigureOut">
               <a:rPr lang="en-US" smtClean="0"/>
               <a:pPr/>
-              <a:t>8/26/10</a:t>
+              <a:t>8/31/10</a:t>
             </a:fld>
             <a:endParaRPr lang="en-US"/>
           </a:p>
@@ -1862,7 +1862,7 @@
             <a:fld id="{3D7BA643-B6E4-5F47-8F97-5B8A5CDFA610}" type="datetimeFigureOut">
               <a:rPr lang="en-US" smtClean="0"/>
               <a:pPr/>
-              <a:t>8/26/10</a:t>
+              <a:t>8/31/10</a:t>
             </a:fld>
             <a:endParaRPr lang="en-US"/>
           </a:p>
@@ -1954,7 +1954,7 @@
             <a:fld id="{3D7BA643-B6E4-5F47-8F97-5B8A5CDFA610}" type="datetimeFigureOut">
               <a:rPr lang="en-US" smtClean="0"/>
               <a:pPr/>
-              <a:t>8/26/10</a:t>
+              <a:t>8/31/10</a:t>
             </a:fld>
             <a:endParaRPr lang="en-US"/>
           </a:p>
@@ -2228,7 +2228,7 @@
             <a:fld id="{3D7BA643-B6E4-5F47-8F97-5B8A5CDFA610}" type="datetimeFigureOut">
               <a:rPr lang="en-US" smtClean="0"/>
               <a:pPr/>
-              <a:t>8/26/10</a:t>
+              <a:t>8/31/10</a:t>
             </a:fld>
             <a:endParaRPr lang="en-US"/>
           </a:p>
@@ -2478,7 +2478,7 @@
             <a:fld id="{3D7BA643-B6E4-5F47-8F97-5B8A5CDFA610}" type="datetimeFigureOut">
               <a:rPr lang="en-US" smtClean="0"/>
               <a:pPr/>
-              <a:t>8/26/10</a:t>
+              <a:t>8/31/10</a:t>
             </a:fld>
             <a:endParaRPr lang="en-US"/>
           </a:p>
@@ -2688,7 +2688,7 @@
             <a:fld id="{3D7BA643-B6E4-5F47-8F97-5B8A5CDFA610}" type="datetimeFigureOut">
               <a:rPr lang="en-US" smtClean="0"/>
               <a:pPr/>
-              <a:t>8/26/10</a:t>
+              <a:t>8/31/10</a:t>
             </a:fld>
             <a:endParaRPr lang="en-US"/>
           </a:p>
@@ -3061,54 +3061,6 @@
       </p:grpSpPr>
       <p:sp>
         <p:nvSpPr>
-          <p:cNvPr id="2" name="Regular Pentagon 1"/>
-          <p:cNvSpPr/>
-          <p:nvPr/>
-        </p:nvSpPr>
-        <p:spPr>
-          <a:xfrm>
-            <a:off x="1981200" y="426185"/>
-            <a:ext cx="1972705" cy="945177"/>
-          </a:xfrm>
-          <a:prstGeom prst="pentagon">
-            <a:avLst/>
-          </a:prstGeom>
-          <a:solidFill>
-            <a:schemeClr val="bg1">
-              <a:lumMod val="85000"/>
-            </a:schemeClr>
-          </a:solidFill>
-          <a:ln>
-            <a:solidFill>
-              <a:schemeClr val="tx1"/>
-            </a:solidFill>
-          </a:ln>
-        </p:spPr>
-        <p:style>
-          <a:lnRef idx="1">
-            <a:schemeClr val="accent1"/>
-          </a:lnRef>
-          <a:fillRef idx="3">
-            <a:schemeClr val="accent1"/>
-          </a:fillRef>
-          <a:effectRef idx="2">
-            <a:schemeClr val="accent1"/>
-          </a:effectRef>
-          <a:fontRef idx="minor">
-            <a:schemeClr val="lt1"/>
-          </a:fontRef>
-        </p:style>
-        <p:txBody>
-          <a:bodyPr rtlCol="0" anchor="ctr"/>
-          <a:lstStyle/>
-          <a:p>
-            <a:pPr algn="ctr"/>
-            <a:endParaRPr lang="en-US"/>
-          </a:p>
-        </p:txBody>
-      </p:sp>
-      <p:sp>
-        <p:nvSpPr>
           <p:cNvPr id="3" name="Regular Pentagon 2"/>
           <p:cNvSpPr/>
           <p:nvPr/>
@@ -3122,7 +3074,7 @@
             <a:avLst/>
           </a:prstGeom>
           <a:noFill/>
-          <a:ln>
+          <a:ln w="38100">
             <a:solidFill>
               <a:schemeClr val="tx1"/>
             </a:solidFill>
@@ -3195,118 +3147,18 @@
           </a:p>
         </p:txBody>
       </p:sp>
-      <p:sp>
-        <p:nvSpPr>
-          <p:cNvPr id="5" name="Rectangle 4"/>
-          <p:cNvSpPr/>
-          <p:nvPr/>
-        </p:nvSpPr>
-        <p:spPr>
-          <a:xfrm>
-            <a:off x="761999" y="2057159"/>
-            <a:ext cx="1595956" cy="579570"/>
-          </a:xfrm>
-          <a:prstGeom prst="rect">
-            <a:avLst/>
-          </a:prstGeom>
-          <a:solidFill>
-            <a:schemeClr val="bg1">
-              <a:lumMod val="85000"/>
-            </a:schemeClr>
-          </a:solidFill>
-          <a:ln>
-            <a:solidFill>
-              <a:schemeClr val="tx1"/>
-            </a:solidFill>
-          </a:ln>
-        </p:spPr>
-        <p:style>
-          <a:lnRef idx="1">
-            <a:schemeClr val="accent1"/>
-          </a:lnRef>
-          <a:fillRef idx="3">
-            <a:schemeClr val="accent1"/>
-          </a:fillRef>
-          <a:effectRef idx="2">
-            <a:schemeClr val="accent1"/>
-          </a:effectRef>
-          <a:fontRef idx="minor">
-            <a:schemeClr val="lt1"/>
-          </a:fontRef>
-        </p:style>
-        <p:txBody>
-          <a:bodyPr rtlCol="0" anchor="ctr"/>
-          <a:lstStyle/>
-          <a:p>
-            <a:pPr algn="ctr"/>
-            <a:endParaRPr lang="en-US" sz="1400"/>
-          </a:p>
-        </p:txBody>
-      </p:sp>
-      <p:sp>
-        <p:nvSpPr>
-          <p:cNvPr id="6" name="TextBox 5"/>
-          <p:cNvSpPr txBox="1"/>
-          <p:nvPr/>
-        </p:nvSpPr>
-        <p:spPr>
-          <a:xfrm>
-            <a:off x="2456858" y="733962"/>
-            <a:ext cx="954859" cy="307777"/>
-          </a:xfrm>
-          <a:prstGeom prst="rect">
-            <a:avLst/>
-          </a:prstGeom>
-          <a:noFill/>
-        </p:spPr>
-        <p:txBody>
-          <a:bodyPr wrap="none" rtlCol="0">
-            <a:spAutoFit/>
-          </a:bodyPr>
-          <a:lstStyle/>
-          <a:p>
-            <a:pPr lvl="0"/>
-            <a:r>
-              <a:rPr lang="en-US" sz="1400" dirty="0" smtClean="0"/>
-              <a:t> </a:t>
-            </a:r>
-            <a:r>
-              <a:rPr lang="en-US" sz="1400" dirty="0" err="1" smtClean="0">
-                <a:solidFill>
-                  <a:prstClr val="black"/>
-                </a:solidFill>
-              </a:rPr>
-              <a:t>HashMap</a:t>
-            </a:r>
-            <a:r>
-              <a:rPr lang="en-US" sz="1400" i="1" dirty="0" smtClean="0">
-                <a:solidFill>
-                  <a:prstClr val="black"/>
-                </a:solidFill>
-              </a:rPr>
-              <a:t> </a:t>
-            </a:r>
-            <a:endParaRPr lang="en-US" sz="1400" i="1" dirty="0">
-              <a:solidFill>
-                <a:prstClr val="black"/>
-              </a:solidFill>
-            </a:endParaRPr>
-          </a:p>
-        </p:txBody>
-      </p:sp>
       <p:cxnSp>
         <p:nvCxnSpPr>
           <p:cNvPr id="7" name="Straight Arrow Connector 6"/>
           <p:cNvCxnSpPr>
-            <a:stCxn id="2" idx="4"/>
             <a:endCxn id="3" idx="0"/>
           </p:cNvCxnSpPr>
           <p:nvPr/>
         </p:nvCxnSpPr>
         <p:spPr>
           <a:xfrm rot="16200000" flipH="1">
-            <a:off x="4104710" y="843801"/>
-            <a:ext cx="196337" cy="1251454"/>
+            <a:off x="4464949" y="1204041"/>
+            <a:ext cx="726520" cy="792"/>
           </a:xfrm>
           <a:prstGeom prst="straightConnector1">
             <a:avLst/>
@@ -3372,45 +3224,6 @@
           </a:fontRef>
         </p:style>
       </p:cxnSp>
-      <p:cxnSp>
-        <p:nvCxnSpPr>
-          <p:cNvPr id="9" name="Straight Arrow Connector 8"/>
-          <p:cNvCxnSpPr>
-            <a:stCxn id="2" idx="2"/>
-            <a:endCxn id="5" idx="0"/>
-          </p:cNvCxnSpPr>
-          <p:nvPr/>
-        </p:nvCxnSpPr>
-        <p:spPr>
-          <a:xfrm rot="5400000">
-            <a:off x="1616067" y="1315271"/>
-            <a:ext cx="685799" cy="797977"/>
-          </a:xfrm>
-          <a:prstGeom prst="straightConnector1">
-            <a:avLst/>
-          </a:prstGeom>
-          <a:ln>
-            <a:solidFill>
-              <a:schemeClr val="tx1"/>
-            </a:solidFill>
-            <a:tailEnd type="arrow"/>
-          </a:ln>
-        </p:spPr>
-        <p:style>
-          <a:lnRef idx="2">
-            <a:schemeClr val="accent1"/>
-          </a:lnRef>
-          <a:fillRef idx="0">
-            <a:schemeClr val="accent1"/>
-          </a:fillRef>
-          <a:effectRef idx="1">
-            <a:schemeClr val="accent1"/>
-          </a:effectRef>
-          <a:fontRef idx="minor">
-            <a:schemeClr val="tx1"/>
-          </a:fontRef>
-        </p:style>
-      </p:cxnSp>
       <p:sp>
         <p:nvSpPr>
           <p:cNvPr id="10" name="TextBox 9"/>
@@ -3494,73 +3307,13 @@
       </p:sp>
       <p:sp>
         <p:nvSpPr>
-          <p:cNvPr id="12" name="TextBox 11"/>
-          <p:cNvSpPr txBox="1"/>
-          <p:nvPr/>
-        </p:nvSpPr>
-        <p:spPr>
-          <a:xfrm>
-            <a:off x="1268872" y="2113508"/>
-            <a:ext cx="710451" cy="307777"/>
-          </a:xfrm>
-          <a:prstGeom prst="rect">
-            <a:avLst/>
-          </a:prstGeom>
-          <a:noFill/>
-        </p:spPr>
-        <p:txBody>
-          <a:bodyPr wrap="none" rtlCol="0">
-            <a:spAutoFit/>
-          </a:bodyPr>
-          <a:lstStyle/>
-          <a:p>
-            <a:r>
-              <a:rPr lang="en-US" sz="1400" dirty="0" smtClean="0"/>
-              <a:t>Integer</a:t>
-            </a:r>
-            <a:endParaRPr lang="en-US" sz="1400" dirty="0"/>
-          </a:p>
-        </p:txBody>
-      </p:sp>
-      <p:sp>
-        <p:nvSpPr>
-          <p:cNvPr id="13" name="TextBox 12"/>
-          <p:cNvSpPr txBox="1"/>
-          <p:nvPr/>
-        </p:nvSpPr>
-        <p:spPr>
-          <a:xfrm>
-            <a:off x="1984745" y="1567697"/>
-            <a:ext cx="684803" cy="307777"/>
-          </a:xfrm>
-          <a:prstGeom prst="rect">
-            <a:avLst/>
-          </a:prstGeom>
-          <a:noFill/>
-        </p:spPr>
-        <p:txBody>
-          <a:bodyPr wrap="none" rtlCol="0">
-            <a:spAutoFit/>
-          </a:bodyPr>
-          <a:lstStyle/>
-          <a:p>
-            <a:r>
-              <a:rPr lang="en-US" sz="1400" dirty="0" smtClean="0"/>
-              <a:t>75,000</a:t>
-            </a:r>
-            <a:endParaRPr lang="en-US" sz="1400" dirty="0"/>
-          </a:p>
-        </p:txBody>
-      </p:sp>
-      <p:sp>
-        <p:nvSpPr>
           <p:cNvPr id="14" name="TextBox 13"/>
           <p:cNvSpPr txBox="1"/>
           <p:nvPr/>
         </p:nvSpPr>
         <p:spPr>
           <a:xfrm>
-            <a:off x="4076289" y="1106031"/>
+            <a:off x="5025081" y="1066800"/>
             <a:ext cx="684803" cy="307777"/>
           </a:xfrm>
           <a:prstGeom prst="rect">
@@ -3620,8 +3373,8 @@
         </p:nvSpPr>
         <p:spPr>
           <a:xfrm>
-            <a:off x="6386650" y="1918659"/>
-            <a:ext cx="1828170" cy="276999"/>
+            <a:off x="6019800" y="1733993"/>
+            <a:ext cx="2922207" cy="369332"/>
           </a:xfrm>
           <a:prstGeom prst="rect">
             <a:avLst/>
@@ -3635,39 +3388,10 @@
           <a:lstStyle/>
           <a:p>
             <a:r>
-              <a:rPr lang="en-US" sz="1200" i="1" dirty="0" smtClean="0"/>
-              <a:t>4,600,000 bytes overhead</a:t>
-            </a:r>
-            <a:endParaRPr lang="en-US" sz="1200" i="1" dirty="0"/>
-          </a:p>
-        </p:txBody>
-      </p:sp>
-      <p:sp>
-        <p:nvSpPr>
-          <p:cNvPr id="17" name="TextBox 16"/>
-          <p:cNvSpPr txBox="1"/>
-          <p:nvPr/>
-        </p:nvSpPr>
-        <p:spPr>
-          <a:xfrm>
-            <a:off x="6464646" y="3214621"/>
-            <a:ext cx="1828170" cy="276999"/>
-          </a:xfrm>
-          <a:prstGeom prst="rect">
-            <a:avLst/>
-          </a:prstGeom>
-          <a:noFill/>
-        </p:spPr>
-        <p:txBody>
-          <a:bodyPr wrap="none" rtlCol="0">
-            <a:spAutoFit/>
-          </a:bodyPr>
-          <a:lstStyle/>
-          <a:p>
-            <a:r>
-              <a:rPr lang="en-US" sz="1200" i="1" dirty="0" smtClean="0"/>
-              <a:t>6,400,000 bytes overhead</a:t>
-            </a:r>
+              <a:rPr lang="en-US" i="1" dirty="0" smtClean="0"/>
+              <a:t>5.34MB reduced to 4.387MB</a:t>
+            </a:r>
+            <a:endParaRPr lang="en-US" i="1" dirty="0"/>
           </a:p>
         </p:txBody>
       </p:sp>
@@ -3979,14 +3703,14 @@
       </p:sp>
       <p:sp>
         <p:nvSpPr>
-          <p:cNvPr id="26" name="TextBox 25"/>
+          <p:cNvPr id="28" name="TextBox 27"/>
           <p:cNvSpPr txBox="1"/>
           <p:nvPr/>
         </p:nvSpPr>
         <p:spPr>
           <a:xfrm>
-            <a:off x="6464646" y="4433500"/>
-            <a:ext cx="1906166" cy="276999"/>
+            <a:off x="914400" y="4411418"/>
+            <a:ext cx="1867794" cy="923330"/>
           </a:xfrm>
           <a:prstGeom prst="rect">
             <a:avLst/>
@@ -4000,92 +3724,19 @@
           <a:lstStyle/>
           <a:p>
             <a:r>
-              <a:rPr lang="en-US" sz="1200" i="1" dirty="0" smtClean="0"/>
-              <a:t>19,200,000 bytes overhead</a:t>
-            </a:r>
-            <a:endParaRPr lang="en-US" sz="1200" i="1" dirty="0"/>
-          </a:p>
-        </p:txBody>
-      </p:sp>
-      <p:sp>
-        <p:nvSpPr>
-          <p:cNvPr id="27" name="TextBox 26"/>
-          <p:cNvSpPr txBox="1"/>
-          <p:nvPr/>
-        </p:nvSpPr>
-        <p:spPr>
-          <a:xfrm>
-            <a:off x="6464646" y="5573763"/>
-            <a:ext cx="1828170" cy="461665"/>
-          </a:xfrm>
-          <a:prstGeom prst="rect">
-            <a:avLst/>
-          </a:prstGeom>
-          <a:noFill/>
-        </p:spPr>
-        <p:txBody>
-          <a:bodyPr wrap="none" rtlCol="0">
-            <a:spAutoFit/>
-          </a:bodyPr>
-          <a:lstStyle/>
-          <a:p>
-            <a:r>
-              <a:rPr lang="en-US" sz="1200" i="1" dirty="0" smtClean="0"/>
-              <a:t>3,200,000 bytes data</a:t>
-            </a:r>
-          </a:p>
-          <a:p>
-            <a:r>
-              <a:rPr lang="en-US" sz="1200" i="1" dirty="0" smtClean="0"/>
-              <a:t>9,600,000 bytes overhead</a:t>
-            </a:r>
-            <a:endParaRPr lang="en-US" sz="1200" i="1" dirty="0"/>
-          </a:p>
-        </p:txBody>
-      </p:sp>
-      <p:sp>
-        <p:nvSpPr>
-          <p:cNvPr id="28" name="TextBox 27"/>
-          <p:cNvSpPr txBox="1"/>
-          <p:nvPr/>
-        </p:nvSpPr>
-        <p:spPr>
-          <a:xfrm>
-            <a:off x="914400" y="4411418"/>
-            <a:ext cx="1482748" cy="646331"/>
-          </a:xfrm>
-          <a:prstGeom prst="rect">
-            <a:avLst/>
-          </a:prstGeom>
-          <a:noFill/>
-        </p:spPr>
-        <p:txBody>
-          <a:bodyPr wrap="none" rtlCol="0">
-            <a:spAutoFit/>
-          </a:bodyPr>
-          <a:lstStyle/>
-          <a:p>
-            <a:r>
-              <a:rPr lang="en-US" sz="1200" i="1" dirty="0" smtClean="0"/>
+              <a:rPr lang="en-US" i="1" dirty="0" smtClean="0"/>
               <a:t>Total size = 41MB</a:t>
             </a:r>
           </a:p>
           <a:p>
             <a:r>
-              <a:rPr lang="en-US" sz="1200" i="1" dirty="0" smtClean="0"/>
+              <a:rPr lang="en-US" i="1" dirty="0" smtClean="0"/>
               <a:t>Savings: 2.3%</a:t>
             </a:r>
-          </a:p>
-          <a:p>
-            <a:r>
-              <a:rPr lang="en-US" sz="1200" i="1" dirty="0" smtClean="0"/>
-              <a:t>Bloat factor = </a:t>
-            </a:r>
-            <a:r>
-              <a:rPr lang="en-US" sz="1200" i="1" dirty="0" smtClean="0"/>
-              <a:t>92.6%</a:t>
-            </a:r>
-            <a:endParaRPr lang="en-US" sz="1200" i="1" dirty="0"/>
+            <a:endParaRPr lang="en-US" i="1" dirty="0" smtClean="0"/>
+          </a:p>
+          <a:p>
+            <a:endParaRPr lang="en-US" i="1" dirty="0"/>
           </a:p>
         </p:txBody>
       </p:sp>
